--- a/Project1 HangMan.pptx
+++ b/Project1 HangMan.pptx
@@ -8,11 +8,12 @@
     <p:sldId id="256" r:id="rId2"/>
     <p:sldId id="257" r:id="rId3"/>
     <p:sldId id="258" r:id="rId4"/>
-    <p:sldId id="259" r:id="rId5"/>
-    <p:sldId id="260" r:id="rId6"/>
-    <p:sldId id="261" r:id="rId7"/>
-    <p:sldId id="263" r:id="rId8"/>
-    <p:sldId id="262" r:id="rId9"/>
+    <p:sldId id="264" r:id="rId5"/>
+    <p:sldId id="259" r:id="rId6"/>
+    <p:sldId id="260" r:id="rId7"/>
+    <p:sldId id="261" r:id="rId8"/>
+    <p:sldId id="263" r:id="rId9"/>
+    <p:sldId id="262" r:id="rId10"/>
   </p:sldIdLst>
   <p:sldSz cx="12192000" cy="6858000"/>
   <p:notesSz cx="6858000" cy="9144000"/>
@@ -111,6 +112,11 @@
       </a:defRPr>
     </a:lvl9pPr>
   </p:defaultTextStyle>
+  <p:extLst>
+    <p:ext uri="{EFAFB233-063F-42B5-8137-9DF3F51BA10A}">
+      <p15:sldGuideLst xmlns:p15="http://schemas.microsoft.com/office/powerpoint/2012/main"/>
+    </p:ext>
+  </p:extLst>
 </p:presentation>
 </file>
 
@@ -6873,6 +6879,243 @@
       </p:sp>
       <p:pic>
         <p:nvPicPr>
+          <p:cNvPr id="6" name="Picture 5">
+            <a:extLst>
+              <a:ext uri="{FF2B5EF4-FFF2-40B4-BE49-F238E27FC236}">
+                <a16:creationId xmlns:a16="http://schemas.microsoft.com/office/drawing/2014/main" id="{B1EF698C-E91F-D1F1-3731-AA060A9C0678}"/>
+              </a:ext>
+            </a:extLst>
+          </p:cNvPr>
+          <p:cNvPicPr>
+            <a:picLocks noChangeAspect="1"/>
+          </p:cNvPicPr>
+          <p:nvPr/>
+        </p:nvPicPr>
+        <p:blipFill>
+          <a:blip r:embed="rId3"/>
+          <a:stretch>
+            <a:fillRect/>
+          </a:stretch>
+        </p:blipFill>
+        <p:spPr>
+          <a:xfrm>
+            <a:off x="1663599" y="1966950"/>
+            <a:ext cx="5893024" cy="4680035"/>
+          </a:xfrm>
+          <a:prstGeom prst="rect">
+            <a:avLst/>
+          </a:prstGeom>
+        </p:spPr>
+      </p:pic>
+    </p:spTree>
+    <p:extLst>
+      <p:ext uri="{BB962C8B-B14F-4D97-AF65-F5344CB8AC3E}">
+        <p14:creationId xmlns:p14="http://schemas.microsoft.com/office/powerpoint/2010/main" val="1327055751"/>
+      </p:ext>
+    </p:extLst>
+  </p:cSld>
+  <p:clrMapOvr>
+    <a:masterClrMapping/>
+  </p:clrMapOvr>
+</p:sld>
+</file>
+
+<file path=ppt/slides/slide5.xml><?xml version="1.0" encoding="utf-8"?>
+<p:sld xmlns:a="http://schemas.openxmlformats.org/drawingml/2006/main" xmlns:r="http://schemas.openxmlformats.org/officeDocument/2006/relationships" xmlns:p="http://schemas.openxmlformats.org/presentationml/2006/main">
+  <p:cSld>
+    <p:spTree>
+      <p:nvGrpSpPr>
+        <p:cNvPr id="1" name=""/>
+        <p:cNvGrpSpPr/>
+        <p:nvPr/>
+      </p:nvGrpSpPr>
+      <p:grpSpPr>
+        <a:xfrm>
+          <a:off x="0" y="0"/>
+          <a:ext cx="0" cy="0"/>
+          <a:chOff x="0" y="0"/>
+          <a:chExt cx="0" cy="0"/>
+        </a:xfrm>
+      </p:grpSpPr>
+      <p:sp>
+        <p:nvSpPr>
+          <p:cNvPr id="2" name="Title 1">
+            <a:extLst>
+              <a:ext uri="{FF2B5EF4-FFF2-40B4-BE49-F238E27FC236}">
+                <a16:creationId xmlns:a16="http://schemas.microsoft.com/office/drawing/2014/main" id="{3BEF93F7-D45B-68F7-4E28-0844B627DDA5}"/>
+              </a:ext>
+            </a:extLst>
+          </p:cNvPr>
+          <p:cNvSpPr>
+            <a:spLocks noGrp="1"/>
+          </p:cNvSpPr>
+          <p:nvPr>
+            <p:ph type="ctrTitle"/>
+          </p:nvPr>
+        </p:nvSpPr>
+        <p:spPr>
+          <a:xfrm>
+            <a:off x="1663599" y="344843"/>
+            <a:ext cx="7837589" cy="847114"/>
+          </a:xfrm>
+        </p:spPr>
+        <p:txBody>
+          <a:bodyPr>
+            <a:normAutofit fontScale="90000"/>
+          </a:bodyPr>
+          <a:lstStyle/>
+          <a:p>
+            <a:r>
+              <a:rPr lang="en-PT" dirty="0"/>
+              <a:t>Project 1 - Game Hang Man</a:t>
+            </a:r>
+          </a:p>
+        </p:txBody>
+      </p:sp>
+      <p:pic>
+        <p:nvPicPr>
+          <p:cNvPr id="4" name="Google Shape;109;p27">
+            <a:extLst>
+              <a:ext uri="{FF2B5EF4-FFF2-40B4-BE49-F238E27FC236}">
+                <a16:creationId xmlns:a16="http://schemas.microsoft.com/office/drawing/2014/main" id="{EA4D6600-5010-A9D9-EEA2-2672B776C650}"/>
+              </a:ext>
+            </a:extLst>
+          </p:cNvPr>
+          <p:cNvPicPr preferRelativeResize="0"/>
+          <p:nvPr/>
+        </p:nvPicPr>
+        <p:blipFill>
+          <a:blip r:embed="rId2">
+            <a:alphaModFix/>
+          </a:blip>
+          <a:stretch>
+            <a:fillRect/>
+          </a:stretch>
+        </p:blipFill>
+        <p:spPr>
+          <a:xfrm>
+            <a:off x="0" y="-63399"/>
+            <a:ext cx="1663599" cy="1663599"/>
+          </a:xfrm>
+          <a:prstGeom prst="rect">
+            <a:avLst/>
+          </a:prstGeom>
+          <a:noFill/>
+          <a:ln>
+            <a:noFill/>
+          </a:ln>
+        </p:spPr>
+      </p:pic>
+      <p:sp>
+        <p:nvSpPr>
+          <p:cNvPr id="7" name="Title 1">
+            <a:extLst>
+              <a:ext uri="{FF2B5EF4-FFF2-40B4-BE49-F238E27FC236}">
+                <a16:creationId xmlns:a16="http://schemas.microsoft.com/office/drawing/2014/main" id="{42463987-47E0-040E-3AE3-52551354130E}"/>
+              </a:ext>
+            </a:extLst>
+          </p:cNvPr>
+          <p:cNvSpPr txBox="1">
+            <a:spLocks/>
+          </p:cNvSpPr>
+          <p:nvPr/>
+        </p:nvSpPr>
+        <p:spPr>
+          <a:xfrm>
+            <a:off x="831799" y="1367449"/>
+            <a:ext cx="4497438" cy="640993"/>
+          </a:xfrm>
+          <a:prstGeom prst="rect">
+            <a:avLst/>
+          </a:prstGeom>
+        </p:spPr>
+        <p:txBody>
+          <a:bodyPr vert="horz" lIns="91440" tIns="45720" rIns="91440" bIns="45720" rtlCol="0" anchor="b">
+            <a:normAutofit fontScale="97500"/>
+          </a:bodyPr>
+          <a:lstStyle>
+            <a:lvl1pPr algn="r" defTabSz="457200" rtl="0" eaLnBrk="1" latinLnBrk="0" hangingPunct="1">
+              <a:spcBef>
+                <a:spcPct val="0"/>
+              </a:spcBef>
+              <a:buNone/>
+              <a:defRPr sz="5400" kern="1200">
+                <a:solidFill>
+                  <a:schemeClr val="accent1"/>
+                </a:solidFill>
+                <a:latin typeface="+mj-lt"/>
+                <a:ea typeface="+mj-ea"/>
+                <a:cs typeface="+mj-cs"/>
+              </a:defRPr>
+            </a:lvl1pPr>
+            <a:lvl2pPr eaLnBrk="1" hangingPunct="1">
+              <a:defRPr>
+                <a:solidFill>
+                  <a:schemeClr val="tx2"/>
+                </a:solidFill>
+              </a:defRPr>
+            </a:lvl2pPr>
+            <a:lvl3pPr eaLnBrk="1" hangingPunct="1">
+              <a:defRPr>
+                <a:solidFill>
+                  <a:schemeClr val="tx2"/>
+                </a:solidFill>
+              </a:defRPr>
+            </a:lvl3pPr>
+            <a:lvl4pPr eaLnBrk="1" hangingPunct="1">
+              <a:defRPr>
+                <a:solidFill>
+                  <a:schemeClr val="tx2"/>
+                </a:solidFill>
+              </a:defRPr>
+            </a:lvl4pPr>
+            <a:lvl5pPr eaLnBrk="1" hangingPunct="1">
+              <a:defRPr>
+                <a:solidFill>
+                  <a:schemeClr val="tx2"/>
+                </a:solidFill>
+              </a:defRPr>
+            </a:lvl5pPr>
+            <a:lvl6pPr eaLnBrk="1" hangingPunct="1">
+              <a:defRPr>
+                <a:solidFill>
+                  <a:schemeClr val="tx2"/>
+                </a:solidFill>
+              </a:defRPr>
+            </a:lvl6pPr>
+            <a:lvl7pPr eaLnBrk="1" hangingPunct="1">
+              <a:defRPr>
+                <a:solidFill>
+                  <a:schemeClr val="tx2"/>
+                </a:solidFill>
+              </a:defRPr>
+            </a:lvl7pPr>
+            <a:lvl8pPr eaLnBrk="1" hangingPunct="1">
+              <a:defRPr>
+                <a:solidFill>
+                  <a:schemeClr val="tx2"/>
+                </a:solidFill>
+              </a:defRPr>
+            </a:lvl8pPr>
+            <a:lvl9pPr eaLnBrk="1" hangingPunct="1">
+              <a:defRPr>
+                <a:solidFill>
+                  <a:schemeClr val="tx2"/>
+                </a:solidFill>
+              </a:defRPr>
+            </a:lvl9pPr>
+          </a:lstStyle>
+          <a:p>
+            <a:pPr algn="l"/>
+            <a:r>
+              <a:rPr lang="en-PT" sz="3600" dirty="0"/>
+              <a:t>Process</a:t>
+            </a:r>
+          </a:p>
+        </p:txBody>
+      </p:sp>
+      <p:pic>
+        <p:nvPicPr>
           <p:cNvPr id="5" name="Picture 4">
             <a:extLst>
               <a:ext uri="{FF2B5EF4-FFF2-40B4-BE49-F238E27FC236}">
@@ -6914,7 +7157,7 @@
 </p:sld>
 </file>
 
-<file path=ppt/slides/slide5.xml><?xml version="1.0" encoding="utf-8"?>
+<file path=ppt/slides/slide6.xml><?xml version="1.0" encoding="utf-8"?>
 <p:sld xmlns:a="http://schemas.openxmlformats.org/drawingml/2006/main" xmlns:r="http://schemas.openxmlformats.org/officeDocument/2006/relationships" xmlns:p="http://schemas.openxmlformats.org/presentationml/2006/main">
   <p:cSld>
     <p:spTree>
@@ -7198,7 +7441,7 @@
 </p:sld>
 </file>
 
-<file path=ppt/slides/slide6.xml><?xml version="1.0" encoding="utf-8"?>
+<file path=ppt/slides/slide7.xml><?xml version="1.0" encoding="utf-8"?>
 <p:sld xmlns:a="http://schemas.openxmlformats.org/drawingml/2006/main" xmlns:r="http://schemas.openxmlformats.org/officeDocument/2006/relationships" xmlns:p="http://schemas.openxmlformats.org/presentationml/2006/main">
   <p:cSld>
     <p:spTree>
@@ -7435,7 +7678,7 @@
 </p:sld>
 </file>
 
-<file path=ppt/slides/slide7.xml><?xml version="1.0" encoding="utf-8"?>
+<file path=ppt/slides/slide8.xml><?xml version="1.0" encoding="utf-8"?>
 <p:sld xmlns:a="http://schemas.openxmlformats.org/drawingml/2006/main" xmlns:r="http://schemas.openxmlformats.org/officeDocument/2006/relationships" xmlns:p="http://schemas.openxmlformats.org/presentationml/2006/main">
   <p:cSld>
     <p:spTree>
@@ -7713,7 +7956,7 @@
 </p:sld>
 </file>
 
-<file path=ppt/slides/slide8.xml><?xml version="1.0" encoding="utf-8"?>
+<file path=ppt/slides/slide9.xml><?xml version="1.0" encoding="utf-8"?>
 <p:sld xmlns:a="http://schemas.openxmlformats.org/drawingml/2006/main" xmlns:r="http://schemas.openxmlformats.org/officeDocument/2006/relationships" xmlns:p="http://schemas.openxmlformats.org/presentationml/2006/main">
   <p:cSld>
     <p:spTree>

--- a/Project1 HangMan.pptx
+++ b/Project1 HangMan.pptx
@@ -12,8 +12,9 @@
     <p:sldId id="259" r:id="rId6"/>
     <p:sldId id="260" r:id="rId7"/>
     <p:sldId id="261" r:id="rId8"/>
-    <p:sldId id="263" r:id="rId9"/>
-    <p:sldId id="262" r:id="rId10"/>
+    <p:sldId id="265" r:id="rId9"/>
+    <p:sldId id="263" r:id="rId10"/>
+    <p:sldId id="262" r:id="rId11"/>
   </p:sldIdLst>
   <p:sldSz cx="12192000" cy="6858000"/>
   <p:notesSz cx="6858000" cy="9144000"/>
@@ -6082,7 +6083,7 @@
 </p:sld>
 </file>
 
-<file path=ppt/slides/slide2.xml><?xml version="1.0" encoding="utf-8"?>
+<file path=ppt/slides/slide10.xml><?xml version="1.0" encoding="utf-8"?>
 <p:sld xmlns:a="http://schemas.openxmlformats.org/drawingml/2006/main" xmlns:r="http://schemas.openxmlformats.org/officeDocument/2006/relationships" xmlns:p="http://schemas.openxmlformats.org/presentationml/2006/main">
   <p:cSld>
     <p:spTree>
@@ -6170,113 +6171,6 @@
       </p:pic>
       <p:sp>
         <p:nvSpPr>
-          <p:cNvPr id="7" name="Title 1">
-            <a:extLst>
-              <a:ext uri="{FF2B5EF4-FFF2-40B4-BE49-F238E27FC236}">
-                <a16:creationId xmlns:a16="http://schemas.microsoft.com/office/drawing/2014/main" id="{42463987-47E0-040E-3AE3-52551354130E}"/>
-              </a:ext>
-            </a:extLst>
-          </p:cNvPr>
-          <p:cNvSpPr txBox="1">
-            <a:spLocks/>
-          </p:cNvSpPr>
-          <p:nvPr/>
-        </p:nvSpPr>
-        <p:spPr>
-          <a:xfrm>
-            <a:off x="831799" y="1367449"/>
-            <a:ext cx="4497438" cy="640993"/>
-          </a:xfrm>
-          <a:prstGeom prst="rect">
-            <a:avLst/>
-          </a:prstGeom>
-        </p:spPr>
-        <p:txBody>
-          <a:bodyPr vert="horz" lIns="91440" tIns="45720" rIns="91440" bIns="45720" rtlCol="0" anchor="b">
-            <a:normAutofit fontScale="82500" lnSpcReduction="10000"/>
-          </a:bodyPr>
-          <a:lstStyle>
-            <a:lvl1pPr algn="r" defTabSz="457200" rtl="0" eaLnBrk="1" latinLnBrk="0" hangingPunct="1">
-              <a:spcBef>
-                <a:spcPct val="0"/>
-              </a:spcBef>
-              <a:buNone/>
-              <a:defRPr sz="5400" kern="1200">
-                <a:solidFill>
-                  <a:schemeClr val="accent1"/>
-                </a:solidFill>
-                <a:latin typeface="+mj-lt"/>
-                <a:ea typeface="+mj-ea"/>
-                <a:cs typeface="+mj-cs"/>
-              </a:defRPr>
-            </a:lvl1pPr>
-            <a:lvl2pPr eaLnBrk="1" hangingPunct="1">
-              <a:defRPr>
-                <a:solidFill>
-                  <a:schemeClr val="tx2"/>
-                </a:solidFill>
-              </a:defRPr>
-            </a:lvl2pPr>
-            <a:lvl3pPr eaLnBrk="1" hangingPunct="1">
-              <a:defRPr>
-                <a:solidFill>
-                  <a:schemeClr val="tx2"/>
-                </a:solidFill>
-              </a:defRPr>
-            </a:lvl3pPr>
-            <a:lvl4pPr eaLnBrk="1" hangingPunct="1">
-              <a:defRPr>
-                <a:solidFill>
-                  <a:schemeClr val="tx2"/>
-                </a:solidFill>
-              </a:defRPr>
-            </a:lvl4pPr>
-            <a:lvl5pPr eaLnBrk="1" hangingPunct="1">
-              <a:defRPr>
-                <a:solidFill>
-                  <a:schemeClr val="tx2"/>
-                </a:solidFill>
-              </a:defRPr>
-            </a:lvl5pPr>
-            <a:lvl6pPr eaLnBrk="1" hangingPunct="1">
-              <a:defRPr>
-                <a:solidFill>
-                  <a:schemeClr val="tx2"/>
-                </a:solidFill>
-              </a:defRPr>
-            </a:lvl6pPr>
-            <a:lvl7pPr eaLnBrk="1" hangingPunct="1">
-              <a:defRPr>
-                <a:solidFill>
-                  <a:schemeClr val="tx2"/>
-                </a:solidFill>
-              </a:defRPr>
-            </a:lvl7pPr>
-            <a:lvl8pPr eaLnBrk="1" hangingPunct="1">
-              <a:defRPr>
-                <a:solidFill>
-                  <a:schemeClr val="tx2"/>
-                </a:solidFill>
-              </a:defRPr>
-            </a:lvl8pPr>
-            <a:lvl9pPr eaLnBrk="1" hangingPunct="1">
-              <a:defRPr>
-                <a:solidFill>
-                  <a:schemeClr val="tx2"/>
-                </a:solidFill>
-              </a:defRPr>
-            </a:lvl9pPr>
-          </a:lstStyle>
-          <a:p>
-            <a:r>
-              <a:rPr lang="en-PT" sz="3600" dirty="0"/>
-              <a:t>Descripton of the Game</a:t>
-            </a:r>
-          </a:p>
-        </p:txBody>
-      </p:sp>
-      <p:sp>
-        <p:nvSpPr>
           <p:cNvPr id="9" name="TextBox 8">
             <a:extLst>
               <a:ext uri="{FF2B5EF4-FFF2-40B4-BE49-F238E27FC236}">
@@ -6289,8 +6183,8 @@
         </p:nvSpPr>
         <p:spPr>
           <a:xfrm>
-            <a:off x="1371599" y="2571749"/>
-            <a:ext cx="7972425" cy="1815882"/>
+            <a:off x="4082205" y="2136338"/>
+            <a:ext cx="3000375" cy="2585323"/>
           </a:xfrm>
           <a:prstGeom prst="rect">
             <a:avLst/>
@@ -6303,9 +6197,9 @@
           </a:bodyPr>
           <a:lstStyle/>
           <a:p>
-            <a:pPr algn="just"/>
-            <a:r>
-              <a:rPr lang="en-PT" sz="2800" dirty="0">
+            <a:pPr algn="ctr"/>
+            <a:r>
+              <a:rPr lang="en-PT" sz="5400" dirty="0">
                 <a:solidFill>
                   <a:schemeClr val="accent1"/>
                 </a:solidFill>
@@ -6313,7 +6207,32 @@
                 <a:ea typeface="+mj-ea"/>
                 <a:cs typeface="+mj-cs"/>
               </a:rPr>
-              <a:t>Hangman is a guessing game for two players. One player thinks of a word and the other tries to guess it by suggesting letters within a certain number of guesses.</a:t>
+              <a:t>End</a:t>
+            </a:r>
+          </a:p>
+          <a:p>
+            <a:pPr algn="ctr"/>
+            <a:endParaRPr lang="en-PT" sz="5400" dirty="0">
+              <a:solidFill>
+                <a:schemeClr val="accent1"/>
+              </a:solidFill>
+              <a:latin typeface="+mj-lt"/>
+              <a:ea typeface="+mj-ea"/>
+              <a:cs typeface="+mj-cs"/>
+            </a:endParaRPr>
+          </a:p>
+          <a:p>
+            <a:pPr algn="ctr"/>
+            <a:r>
+              <a:rPr lang="en-PT" sz="5400" dirty="0">
+                <a:solidFill>
+                  <a:schemeClr val="accent1"/>
+                </a:solidFill>
+                <a:latin typeface="+mj-lt"/>
+                <a:ea typeface="+mj-ea"/>
+                <a:cs typeface="+mj-cs"/>
+              </a:rPr>
+              <a:t>Thanks</a:t>
             </a:r>
           </a:p>
         </p:txBody>
@@ -6321,7 +6240,7 @@
     </p:spTree>
     <p:extLst>
       <p:ext uri="{BB962C8B-B14F-4D97-AF65-F5344CB8AC3E}">
-        <p14:creationId xmlns:p14="http://schemas.microsoft.com/office/powerpoint/2010/main" val="3778574926"/>
+        <p14:creationId xmlns:p14="http://schemas.microsoft.com/office/powerpoint/2010/main" val="2881702761"/>
       </p:ext>
     </p:extLst>
   </p:cSld>
@@ -6331,7 +6250,7 @@
 </p:sld>
 </file>
 
-<file path=ppt/slides/slide3.xml><?xml version="1.0" encoding="utf-8"?>
+<file path=ppt/slides/slide2.xml><?xml version="1.0" encoding="utf-8"?>
 <p:sld xmlns:a="http://schemas.openxmlformats.org/drawingml/2006/main" xmlns:r="http://schemas.openxmlformats.org/officeDocument/2006/relationships" xmlns:p="http://schemas.openxmlformats.org/presentationml/2006/main">
   <p:cSld>
     <p:spTree>
@@ -6442,7 +6361,7 @@
         </p:spPr>
         <p:txBody>
           <a:bodyPr vert="horz" lIns="91440" tIns="45720" rIns="91440" bIns="45720" rtlCol="0" anchor="b">
-            <a:normAutofit fontScale="97500"/>
+            <a:normAutofit fontScale="82500" lnSpcReduction="10000"/>
           </a:bodyPr>
           <a:lstStyle>
             <a:lvl1pPr algn="r" defTabSz="457200" rtl="0" eaLnBrk="1" latinLnBrk="0" hangingPunct="1">
@@ -6517,10 +6436,9 @@
             </a:lvl9pPr>
           </a:lstStyle>
           <a:p>
-            <a:pPr algn="l"/>
             <a:r>
               <a:rPr lang="en-PT" sz="3600" dirty="0"/>
-              <a:t>Challenges</a:t>
+              <a:t>Descripton of the Game</a:t>
             </a:r>
           </a:p>
         </p:txBody>
@@ -6539,8 +6457,8 @@
         </p:nvSpPr>
         <p:spPr>
           <a:xfrm>
-            <a:off x="1663599" y="2622805"/>
-            <a:ext cx="7972425" cy="3108543"/>
+            <a:off x="1371599" y="2571749"/>
+            <a:ext cx="7972425" cy="1815882"/>
           </a:xfrm>
           <a:prstGeom prst="rect">
             <a:avLst/>
@@ -6553,10 +6471,7 @@
           </a:bodyPr>
           <a:lstStyle/>
           <a:p>
-            <a:pPr marL="514350" indent="-514350" algn="just">
-              <a:buFont typeface="Arial" panose="020B0604020202020204" pitchFamily="34" charset="0"/>
-              <a:buChar char="•"/>
-            </a:pPr>
+            <a:pPr algn="just"/>
             <a:r>
               <a:rPr lang="en-PT" sz="2800" dirty="0">
                 <a:solidFill>
@@ -6566,114 +6481,15 @@
                 <a:ea typeface="+mj-ea"/>
                 <a:cs typeface="+mj-cs"/>
               </a:rPr>
-              <a:t>Setup repository</a:t>
-            </a:r>
-          </a:p>
-          <a:p>
-            <a:pPr marL="514350" indent="-514350" algn="just">
-              <a:buFont typeface="Arial" panose="020B0604020202020204" pitchFamily="34" charset="0"/>
-              <a:buChar char="•"/>
-            </a:pPr>
-            <a:r>
-              <a:rPr lang="en-PT" sz="2800" dirty="0">
-                <a:solidFill>
-                  <a:schemeClr val="accent1"/>
-                </a:solidFill>
-                <a:latin typeface="+mj-lt"/>
-                <a:ea typeface="+mj-ea"/>
-                <a:cs typeface="+mj-cs"/>
-              </a:rPr>
-              <a:t>Plan the project – Jira</a:t>
-            </a:r>
-          </a:p>
-          <a:p>
-            <a:pPr marL="514350" indent="-514350" algn="just">
-              <a:buFont typeface="Arial" panose="020B0604020202020204" pitchFamily="34" charset="0"/>
-              <a:buChar char="•"/>
-            </a:pPr>
-            <a:r>
-              <a:rPr lang="en-PT" sz="2800" dirty="0">
-                <a:solidFill>
-                  <a:schemeClr val="accent1"/>
-                </a:solidFill>
-                <a:latin typeface="+mj-lt"/>
-                <a:ea typeface="+mj-ea"/>
-                <a:cs typeface="+mj-cs"/>
-              </a:rPr>
-              <a:t>Flowchart of the alghoritm</a:t>
-            </a:r>
-          </a:p>
-          <a:p>
-            <a:pPr marL="514350" indent="-514350" algn="just">
-              <a:buFont typeface="Arial" panose="020B0604020202020204" pitchFamily="34" charset="0"/>
-              <a:buChar char="•"/>
-            </a:pPr>
-            <a:r>
-              <a:rPr lang="en-PT" sz="2800" dirty="0">
-                <a:solidFill>
-                  <a:schemeClr val="accent1"/>
-                </a:solidFill>
-                <a:latin typeface="+mj-lt"/>
-                <a:ea typeface="+mj-ea"/>
-                <a:cs typeface="+mj-cs"/>
-              </a:rPr>
-              <a:t>Code alghoritm</a:t>
-            </a:r>
-          </a:p>
-          <a:p>
-            <a:pPr marL="514350" indent="-514350" algn="just">
-              <a:buFont typeface="Arial" panose="020B0604020202020204" pitchFamily="34" charset="0"/>
-              <a:buChar char="•"/>
-            </a:pPr>
-            <a:r>
-              <a:rPr lang="en-PT" sz="2800" dirty="0">
-                <a:solidFill>
-                  <a:schemeClr val="accent1"/>
-                </a:solidFill>
-                <a:latin typeface="+mj-lt"/>
-                <a:ea typeface="+mj-ea"/>
-                <a:cs typeface="+mj-cs"/>
-              </a:rPr>
-              <a:t>Test alghoritm to work acording to the game</a:t>
-            </a:r>
-          </a:p>
-          <a:p>
-            <a:pPr marL="514350" indent="-514350" algn="just">
-              <a:buFont typeface="Arial" panose="020B0604020202020204" pitchFamily="34" charset="0"/>
-              <a:buChar char="•"/>
-            </a:pPr>
-            <a:r>
-              <a:rPr lang="en-PT" sz="2800" dirty="0">
-                <a:solidFill>
-                  <a:schemeClr val="accent1"/>
-                </a:solidFill>
-                <a:latin typeface="+mj-lt"/>
-                <a:ea typeface="+mj-ea"/>
-                <a:cs typeface="+mj-cs"/>
-              </a:rPr>
-              <a:t>Incorporate visulizations</a:t>
-            </a:r>
-          </a:p>
-          <a:p>
-            <a:pPr marL="514350" indent="-514350" algn="just">
-              <a:buFont typeface="Arial" panose="020B0604020202020204" pitchFamily="34" charset="0"/>
-              <a:buChar char="•"/>
-            </a:pPr>
-            <a:endParaRPr lang="en-PT" sz="2800" dirty="0">
-              <a:solidFill>
-                <a:schemeClr val="accent1"/>
-              </a:solidFill>
-              <a:latin typeface="+mj-lt"/>
-              <a:ea typeface="+mj-ea"/>
-              <a:cs typeface="+mj-cs"/>
-            </a:endParaRPr>
+              <a:t>Hangman is a guessing game for two players. One player thinks of a word and the other tries to guess it by suggesting letters within a certain number of guesses.</a:t>
+            </a:r>
           </a:p>
         </p:txBody>
       </p:sp>
     </p:spTree>
     <p:extLst>
       <p:ext uri="{BB962C8B-B14F-4D97-AF65-F5344CB8AC3E}">
-        <p14:creationId xmlns:p14="http://schemas.microsoft.com/office/powerpoint/2010/main" val="541865802"/>
+        <p14:creationId xmlns:p14="http://schemas.microsoft.com/office/powerpoint/2010/main" val="3778574926"/>
       </p:ext>
     </p:extLst>
   </p:cSld>
@@ -6683,7 +6499,7 @@
 </p:sld>
 </file>
 
-<file path=ppt/slides/slide4.xml><?xml version="1.0" encoding="utf-8"?>
+<file path=ppt/slides/slide3.xml><?xml version="1.0" encoding="utf-8"?>
 <p:sld xmlns:a="http://schemas.openxmlformats.org/drawingml/2006/main" xmlns:r="http://schemas.openxmlformats.org/officeDocument/2006/relationships" xmlns:p="http://schemas.openxmlformats.org/presentationml/2006/main">
   <p:cSld>
     <p:spTree>
@@ -6872,7 +6688,359 @@
             <a:pPr algn="l"/>
             <a:r>
               <a:rPr lang="en-PT" sz="3600" dirty="0"/>
-              <a:t>Process</a:t>
+              <a:t>Challenges</a:t>
+            </a:r>
+          </a:p>
+        </p:txBody>
+      </p:sp>
+      <p:sp>
+        <p:nvSpPr>
+          <p:cNvPr id="9" name="TextBox 8">
+            <a:extLst>
+              <a:ext uri="{FF2B5EF4-FFF2-40B4-BE49-F238E27FC236}">
+                <a16:creationId xmlns:a16="http://schemas.microsoft.com/office/drawing/2014/main" id="{19A631F6-F8A1-03BF-C202-7DA05A6FA6AB}"/>
+              </a:ext>
+            </a:extLst>
+          </p:cNvPr>
+          <p:cNvSpPr txBox="1"/>
+          <p:nvPr/>
+        </p:nvSpPr>
+        <p:spPr>
+          <a:xfrm>
+            <a:off x="1663599" y="2622805"/>
+            <a:ext cx="7972425" cy="3108543"/>
+          </a:xfrm>
+          <a:prstGeom prst="rect">
+            <a:avLst/>
+          </a:prstGeom>
+          <a:noFill/>
+        </p:spPr>
+        <p:txBody>
+          <a:bodyPr wrap="square" rtlCol="0">
+            <a:spAutoFit/>
+          </a:bodyPr>
+          <a:lstStyle/>
+          <a:p>
+            <a:pPr marL="514350" indent="-514350" algn="just">
+              <a:buFont typeface="Arial" panose="020B0604020202020204" pitchFamily="34" charset="0"/>
+              <a:buChar char="•"/>
+            </a:pPr>
+            <a:r>
+              <a:rPr lang="en-PT" sz="2800" dirty="0">
+                <a:solidFill>
+                  <a:schemeClr val="accent1"/>
+                </a:solidFill>
+                <a:latin typeface="+mj-lt"/>
+                <a:ea typeface="+mj-ea"/>
+                <a:cs typeface="+mj-cs"/>
+              </a:rPr>
+              <a:t>Setup repository</a:t>
+            </a:r>
+          </a:p>
+          <a:p>
+            <a:pPr marL="514350" indent="-514350" algn="just">
+              <a:buFont typeface="Arial" panose="020B0604020202020204" pitchFamily="34" charset="0"/>
+              <a:buChar char="•"/>
+            </a:pPr>
+            <a:r>
+              <a:rPr lang="en-PT" sz="2800" dirty="0">
+                <a:solidFill>
+                  <a:schemeClr val="accent1"/>
+                </a:solidFill>
+                <a:latin typeface="+mj-lt"/>
+                <a:ea typeface="+mj-ea"/>
+                <a:cs typeface="+mj-cs"/>
+              </a:rPr>
+              <a:t>Plan the project – Jira</a:t>
+            </a:r>
+          </a:p>
+          <a:p>
+            <a:pPr marL="514350" indent="-514350" algn="just">
+              <a:buFont typeface="Arial" panose="020B0604020202020204" pitchFamily="34" charset="0"/>
+              <a:buChar char="•"/>
+            </a:pPr>
+            <a:r>
+              <a:rPr lang="en-PT" sz="2800" dirty="0">
+                <a:solidFill>
+                  <a:schemeClr val="accent1"/>
+                </a:solidFill>
+                <a:latin typeface="+mj-lt"/>
+                <a:ea typeface="+mj-ea"/>
+                <a:cs typeface="+mj-cs"/>
+              </a:rPr>
+              <a:t>Flowchart of the alghoritm</a:t>
+            </a:r>
+          </a:p>
+          <a:p>
+            <a:pPr marL="514350" indent="-514350" algn="just">
+              <a:buFont typeface="Arial" panose="020B0604020202020204" pitchFamily="34" charset="0"/>
+              <a:buChar char="•"/>
+            </a:pPr>
+            <a:r>
+              <a:rPr lang="en-PT" sz="2800" dirty="0">
+                <a:solidFill>
+                  <a:schemeClr val="accent1"/>
+                </a:solidFill>
+                <a:latin typeface="+mj-lt"/>
+                <a:ea typeface="+mj-ea"/>
+                <a:cs typeface="+mj-cs"/>
+              </a:rPr>
+              <a:t>Code alghoritm</a:t>
+            </a:r>
+          </a:p>
+          <a:p>
+            <a:pPr marL="514350" indent="-514350" algn="just">
+              <a:buFont typeface="Arial" panose="020B0604020202020204" pitchFamily="34" charset="0"/>
+              <a:buChar char="•"/>
+            </a:pPr>
+            <a:r>
+              <a:rPr lang="en-PT" sz="2800" dirty="0">
+                <a:solidFill>
+                  <a:schemeClr val="accent1"/>
+                </a:solidFill>
+                <a:latin typeface="+mj-lt"/>
+                <a:ea typeface="+mj-ea"/>
+                <a:cs typeface="+mj-cs"/>
+              </a:rPr>
+              <a:t>Test alghoritm to work acording to the game</a:t>
+            </a:r>
+          </a:p>
+          <a:p>
+            <a:pPr marL="514350" indent="-514350" algn="just">
+              <a:buFont typeface="Arial" panose="020B0604020202020204" pitchFamily="34" charset="0"/>
+              <a:buChar char="•"/>
+            </a:pPr>
+            <a:r>
+              <a:rPr lang="en-PT" sz="2800" dirty="0">
+                <a:solidFill>
+                  <a:schemeClr val="accent1"/>
+                </a:solidFill>
+                <a:latin typeface="+mj-lt"/>
+                <a:ea typeface="+mj-ea"/>
+                <a:cs typeface="+mj-cs"/>
+              </a:rPr>
+              <a:t>Incorporate visulizations</a:t>
+            </a:r>
+          </a:p>
+          <a:p>
+            <a:pPr marL="514350" indent="-514350" algn="just">
+              <a:buFont typeface="Arial" panose="020B0604020202020204" pitchFamily="34" charset="0"/>
+              <a:buChar char="•"/>
+            </a:pPr>
+            <a:endParaRPr lang="en-PT" sz="2800" dirty="0">
+              <a:solidFill>
+                <a:schemeClr val="accent1"/>
+              </a:solidFill>
+              <a:latin typeface="+mj-lt"/>
+              <a:ea typeface="+mj-ea"/>
+              <a:cs typeface="+mj-cs"/>
+            </a:endParaRPr>
+          </a:p>
+        </p:txBody>
+      </p:sp>
+    </p:spTree>
+    <p:extLst>
+      <p:ext uri="{BB962C8B-B14F-4D97-AF65-F5344CB8AC3E}">
+        <p14:creationId xmlns:p14="http://schemas.microsoft.com/office/powerpoint/2010/main" val="541865802"/>
+      </p:ext>
+    </p:extLst>
+  </p:cSld>
+  <p:clrMapOvr>
+    <a:masterClrMapping/>
+  </p:clrMapOvr>
+</p:sld>
+</file>
+
+<file path=ppt/slides/slide4.xml><?xml version="1.0" encoding="utf-8"?>
+<p:sld xmlns:a="http://schemas.openxmlformats.org/drawingml/2006/main" xmlns:r="http://schemas.openxmlformats.org/officeDocument/2006/relationships" xmlns:p="http://schemas.openxmlformats.org/presentationml/2006/main">
+  <p:cSld>
+    <p:spTree>
+      <p:nvGrpSpPr>
+        <p:cNvPr id="1" name=""/>
+        <p:cNvGrpSpPr/>
+        <p:nvPr/>
+      </p:nvGrpSpPr>
+      <p:grpSpPr>
+        <a:xfrm>
+          <a:off x="0" y="0"/>
+          <a:ext cx="0" cy="0"/>
+          <a:chOff x="0" y="0"/>
+          <a:chExt cx="0" cy="0"/>
+        </a:xfrm>
+      </p:grpSpPr>
+      <p:sp>
+        <p:nvSpPr>
+          <p:cNvPr id="2" name="Title 1">
+            <a:extLst>
+              <a:ext uri="{FF2B5EF4-FFF2-40B4-BE49-F238E27FC236}">
+                <a16:creationId xmlns:a16="http://schemas.microsoft.com/office/drawing/2014/main" id="{3BEF93F7-D45B-68F7-4E28-0844B627DDA5}"/>
+              </a:ext>
+            </a:extLst>
+          </p:cNvPr>
+          <p:cNvSpPr>
+            <a:spLocks noGrp="1"/>
+          </p:cNvSpPr>
+          <p:nvPr>
+            <p:ph type="ctrTitle"/>
+          </p:nvPr>
+        </p:nvSpPr>
+        <p:spPr>
+          <a:xfrm>
+            <a:off x="1663599" y="344843"/>
+            <a:ext cx="7837589" cy="847114"/>
+          </a:xfrm>
+        </p:spPr>
+        <p:txBody>
+          <a:bodyPr>
+            <a:normAutofit fontScale="90000"/>
+          </a:bodyPr>
+          <a:lstStyle/>
+          <a:p>
+            <a:r>
+              <a:rPr lang="en-PT" dirty="0"/>
+              <a:t>Project 1 - Game Hang Man</a:t>
+            </a:r>
+          </a:p>
+        </p:txBody>
+      </p:sp>
+      <p:pic>
+        <p:nvPicPr>
+          <p:cNvPr id="4" name="Google Shape;109;p27">
+            <a:extLst>
+              <a:ext uri="{FF2B5EF4-FFF2-40B4-BE49-F238E27FC236}">
+                <a16:creationId xmlns:a16="http://schemas.microsoft.com/office/drawing/2014/main" id="{EA4D6600-5010-A9D9-EEA2-2672B776C650}"/>
+              </a:ext>
+            </a:extLst>
+          </p:cNvPr>
+          <p:cNvPicPr preferRelativeResize="0"/>
+          <p:nvPr/>
+        </p:nvPicPr>
+        <p:blipFill>
+          <a:blip r:embed="rId2">
+            <a:alphaModFix/>
+          </a:blip>
+          <a:stretch>
+            <a:fillRect/>
+          </a:stretch>
+        </p:blipFill>
+        <p:spPr>
+          <a:xfrm>
+            <a:off x="0" y="-63399"/>
+            <a:ext cx="1663599" cy="1663599"/>
+          </a:xfrm>
+          <a:prstGeom prst="rect">
+            <a:avLst/>
+          </a:prstGeom>
+          <a:noFill/>
+          <a:ln>
+            <a:noFill/>
+          </a:ln>
+        </p:spPr>
+      </p:pic>
+      <p:sp>
+        <p:nvSpPr>
+          <p:cNvPr id="7" name="Title 1">
+            <a:extLst>
+              <a:ext uri="{FF2B5EF4-FFF2-40B4-BE49-F238E27FC236}">
+                <a16:creationId xmlns:a16="http://schemas.microsoft.com/office/drawing/2014/main" id="{42463987-47E0-040E-3AE3-52551354130E}"/>
+              </a:ext>
+            </a:extLst>
+          </p:cNvPr>
+          <p:cNvSpPr txBox="1">
+            <a:spLocks/>
+          </p:cNvSpPr>
+          <p:nvPr/>
+        </p:nvSpPr>
+        <p:spPr>
+          <a:xfrm>
+            <a:off x="831799" y="1367449"/>
+            <a:ext cx="4497438" cy="640993"/>
+          </a:xfrm>
+          <a:prstGeom prst="rect">
+            <a:avLst/>
+          </a:prstGeom>
+        </p:spPr>
+        <p:txBody>
+          <a:bodyPr vert="horz" lIns="91440" tIns="45720" rIns="91440" bIns="45720" rtlCol="0" anchor="b">
+            <a:normAutofit fontScale="97500"/>
+          </a:bodyPr>
+          <a:lstStyle>
+            <a:lvl1pPr algn="r" defTabSz="457200" rtl="0" eaLnBrk="1" latinLnBrk="0" hangingPunct="1">
+              <a:spcBef>
+                <a:spcPct val="0"/>
+              </a:spcBef>
+              <a:buNone/>
+              <a:defRPr sz="5400" kern="1200">
+                <a:solidFill>
+                  <a:schemeClr val="accent1"/>
+                </a:solidFill>
+                <a:latin typeface="+mj-lt"/>
+                <a:ea typeface="+mj-ea"/>
+                <a:cs typeface="+mj-cs"/>
+              </a:defRPr>
+            </a:lvl1pPr>
+            <a:lvl2pPr eaLnBrk="1" hangingPunct="1">
+              <a:defRPr>
+                <a:solidFill>
+                  <a:schemeClr val="tx2"/>
+                </a:solidFill>
+              </a:defRPr>
+            </a:lvl2pPr>
+            <a:lvl3pPr eaLnBrk="1" hangingPunct="1">
+              <a:defRPr>
+                <a:solidFill>
+                  <a:schemeClr val="tx2"/>
+                </a:solidFill>
+              </a:defRPr>
+            </a:lvl3pPr>
+            <a:lvl4pPr eaLnBrk="1" hangingPunct="1">
+              <a:defRPr>
+                <a:solidFill>
+                  <a:schemeClr val="tx2"/>
+                </a:solidFill>
+              </a:defRPr>
+            </a:lvl4pPr>
+            <a:lvl5pPr eaLnBrk="1" hangingPunct="1">
+              <a:defRPr>
+                <a:solidFill>
+                  <a:schemeClr val="tx2"/>
+                </a:solidFill>
+              </a:defRPr>
+            </a:lvl5pPr>
+            <a:lvl6pPr eaLnBrk="1" hangingPunct="1">
+              <a:defRPr>
+                <a:solidFill>
+                  <a:schemeClr val="tx2"/>
+                </a:solidFill>
+              </a:defRPr>
+            </a:lvl6pPr>
+            <a:lvl7pPr eaLnBrk="1" hangingPunct="1">
+              <a:defRPr>
+                <a:solidFill>
+                  <a:schemeClr val="tx2"/>
+                </a:solidFill>
+              </a:defRPr>
+            </a:lvl7pPr>
+            <a:lvl8pPr eaLnBrk="1" hangingPunct="1">
+              <a:defRPr>
+                <a:solidFill>
+                  <a:schemeClr val="tx2"/>
+                </a:solidFill>
+              </a:defRPr>
+            </a:lvl8pPr>
+            <a:lvl9pPr eaLnBrk="1" hangingPunct="1">
+              <a:defRPr>
+                <a:solidFill>
+                  <a:schemeClr val="tx2"/>
+                </a:solidFill>
+              </a:defRPr>
+            </a:lvl9pPr>
+          </a:lstStyle>
+          <a:p>
+            <a:pPr algn="l"/>
+            <a:r>
+              <a:rPr lang="en-PT" sz="3600" dirty="0"/>
+              <a:t>Process - Project</a:t>
             </a:r>
           </a:p>
         </p:txBody>
@@ -7006,114 +7174,6 @@
           </a:ln>
         </p:spPr>
       </p:pic>
-      <p:sp>
-        <p:nvSpPr>
-          <p:cNvPr id="7" name="Title 1">
-            <a:extLst>
-              <a:ext uri="{FF2B5EF4-FFF2-40B4-BE49-F238E27FC236}">
-                <a16:creationId xmlns:a16="http://schemas.microsoft.com/office/drawing/2014/main" id="{42463987-47E0-040E-3AE3-52551354130E}"/>
-              </a:ext>
-            </a:extLst>
-          </p:cNvPr>
-          <p:cNvSpPr txBox="1">
-            <a:spLocks/>
-          </p:cNvSpPr>
-          <p:nvPr/>
-        </p:nvSpPr>
-        <p:spPr>
-          <a:xfrm>
-            <a:off x="831799" y="1367449"/>
-            <a:ext cx="4497438" cy="640993"/>
-          </a:xfrm>
-          <a:prstGeom prst="rect">
-            <a:avLst/>
-          </a:prstGeom>
-        </p:spPr>
-        <p:txBody>
-          <a:bodyPr vert="horz" lIns="91440" tIns="45720" rIns="91440" bIns="45720" rtlCol="0" anchor="b">
-            <a:normAutofit fontScale="97500"/>
-          </a:bodyPr>
-          <a:lstStyle>
-            <a:lvl1pPr algn="r" defTabSz="457200" rtl="0" eaLnBrk="1" latinLnBrk="0" hangingPunct="1">
-              <a:spcBef>
-                <a:spcPct val="0"/>
-              </a:spcBef>
-              <a:buNone/>
-              <a:defRPr sz="5400" kern="1200">
-                <a:solidFill>
-                  <a:schemeClr val="accent1"/>
-                </a:solidFill>
-                <a:latin typeface="+mj-lt"/>
-                <a:ea typeface="+mj-ea"/>
-                <a:cs typeface="+mj-cs"/>
-              </a:defRPr>
-            </a:lvl1pPr>
-            <a:lvl2pPr eaLnBrk="1" hangingPunct="1">
-              <a:defRPr>
-                <a:solidFill>
-                  <a:schemeClr val="tx2"/>
-                </a:solidFill>
-              </a:defRPr>
-            </a:lvl2pPr>
-            <a:lvl3pPr eaLnBrk="1" hangingPunct="1">
-              <a:defRPr>
-                <a:solidFill>
-                  <a:schemeClr val="tx2"/>
-                </a:solidFill>
-              </a:defRPr>
-            </a:lvl3pPr>
-            <a:lvl4pPr eaLnBrk="1" hangingPunct="1">
-              <a:defRPr>
-                <a:solidFill>
-                  <a:schemeClr val="tx2"/>
-                </a:solidFill>
-              </a:defRPr>
-            </a:lvl4pPr>
-            <a:lvl5pPr eaLnBrk="1" hangingPunct="1">
-              <a:defRPr>
-                <a:solidFill>
-                  <a:schemeClr val="tx2"/>
-                </a:solidFill>
-              </a:defRPr>
-            </a:lvl5pPr>
-            <a:lvl6pPr eaLnBrk="1" hangingPunct="1">
-              <a:defRPr>
-                <a:solidFill>
-                  <a:schemeClr val="tx2"/>
-                </a:solidFill>
-              </a:defRPr>
-            </a:lvl6pPr>
-            <a:lvl7pPr eaLnBrk="1" hangingPunct="1">
-              <a:defRPr>
-                <a:solidFill>
-                  <a:schemeClr val="tx2"/>
-                </a:solidFill>
-              </a:defRPr>
-            </a:lvl7pPr>
-            <a:lvl8pPr eaLnBrk="1" hangingPunct="1">
-              <a:defRPr>
-                <a:solidFill>
-                  <a:schemeClr val="tx2"/>
-                </a:solidFill>
-              </a:defRPr>
-            </a:lvl8pPr>
-            <a:lvl9pPr eaLnBrk="1" hangingPunct="1">
-              <a:defRPr>
-                <a:solidFill>
-                  <a:schemeClr val="tx2"/>
-                </a:solidFill>
-              </a:defRPr>
-            </a:lvl9pPr>
-          </a:lstStyle>
-          <a:p>
-            <a:pPr algn="l"/>
-            <a:r>
-              <a:rPr lang="en-PT" sz="3600" dirty="0"/>
-              <a:t>Process</a:t>
-            </a:r>
-          </a:p>
-        </p:txBody>
-      </p:sp>
       <p:pic>
         <p:nvPicPr>
           <p:cNvPr id="5" name="Picture 4">
@@ -7144,6 +7204,114 @@
           </a:prstGeom>
         </p:spPr>
       </p:pic>
+      <p:sp>
+        <p:nvSpPr>
+          <p:cNvPr id="7" name="Title 1">
+            <a:extLst>
+              <a:ext uri="{FF2B5EF4-FFF2-40B4-BE49-F238E27FC236}">
+                <a16:creationId xmlns:a16="http://schemas.microsoft.com/office/drawing/2014/main" id="{42463987-47E0-040E-3AE3-52551354130E}"/>
+              </a:ext>
+            </a:extLst>
+          </p:cNvPr>
+          <p:cNvSpPr txBox="1">
+            <a:spLocks/>
+          </p:cNvSpPr>
+          <p:nvPr/>
+        </p:nvSpPr>
+        <p:spPr>
+          <a:xfrm>
+            <a:off x="831799" y="1367449"/>
+            <a:ext cx="4497438" cy="640993"/>
+          </a:xfrm>
+          <a:prstGeom prst="rect">
+            <a:avLst/>
+          </a:prstGeom>
+        </p:spPr>
+        <p:txBody>
+          <a:bodyPr vert="horz" lIns="91440" tIns="45720" rIns="91440" bIns="45720" rtlCol="0" anchor="b">
+            <a:normAutofit fontScale="97500"/>
+          </a:bodyPr>
+          <a:lstStyle>
+            <a:lvl1pPr algn="r" defTabSz="457200" rtl="0" eaLnBrk="1" latinLnBrk="0" hangingPunct="1">
+              <a:spcBef>
+                <a:spcPct val="0"/>
+              </a:spcBef>
+              <a:buNone/>
+              <a:defRPr sz="5400" kern="1200">
+                <a:solidFill>
+                  <a:schemeClr val="accent1"/>
+                </a:solidFill>
+                <a:latin typeface="+mj-lt"/>
+                <a:ea typeface="+mj-ea"/>
+                <a:cs typeface="+mj-cs"/>
+              </a:defRPr>
+            </a:lvl1pPr>
+            <a:lvl2pPr eaLnBrk="1" hangingPunct="1">
+              <a:defRPr>
+                <a:solidFill>
+                  <a:schemeClr val="tx2"/>
+                </a:solidFill>
+              </a:defRPr>
+            </a:lvl2pPr>
+            <a:lvl3pPr eaLnBrk="1" hangingPunct="1">
+              <a:defRPr>
+                <a:solidFill>
+                  <a:schemeClr val="tx2"/>
+                </a:solidFill>
+              </a:defRPr>
+            </a:lvl3pPr>
+            <a:lvl4pPr eaLnBrk="1" hangingPunct="1">
+              <a:defRPr>
+                <a:solidFill>
+                  <a:schemeClr val="tx2"/>
+                </a:solidFill>
+              </a:defRPr>
+            </a:lvl4pPr>
+            <a:lvl5pPr eaLnBrk="1" hangingPunct="1">
+              <a:defRPr>
+                <a:solidFill>
+                  <a:schemeClr val="tx2"/>
+                </a:solidFill>
+              </a:defRPr>
+            </a:lvl5pPr>
+            <a:lvl6pPr eaLnBrk="1" hangingPunct="1">
+              <a:defRPr>
+                <a:solidFill>
+                  <a:schemeClr val="tx2"/>
+                </a:solidFill>
+              </a:defRPr>
+            </a:lvl6pPr>
+            <a:lvl7pPr eaLnBrk="1" hangingPunct="1">
+              <a:defRPr>
+                <a:solidFill>
+                  <a:schemeClr val="tx2"/>
+                </a:solidFill>
+              </a:defRPr>
+            </a:lvl7pPr>
+            <a:lvl8pPr eaLnBrk="1" hangingPunct="1">
+              <a:defRPr>
+                <a:solidFill>
+                  <a:schemeClr val="tx2"/>
+                </a:solidFill>
+              </a:defRPr>
+            </a:lvl8pPr>
+            <a:lvl9pPr eaLnBrk="1" hangingPunct="1">
+              <a:defRPr>
+                <a:solidFill>
+                  <a:schemeClr val="tx2"/>
+                </a:solidFill>
+              </a:defRPr>
+            </a:lvl9pPr>
+          </a:lstStyle>
+          <a:p>
+            <a:pPr algn="l"/>
+            <a:r>
+              <a:rPr lang="en-PT" sz="3600" dirty="0"/>
+              <a:t>Process – Alghoritm</a:t>
+            </a:r>
+          </a:p>
+        </p:txBody>
+      </p:sp>
     </p:spTree>
     <p:extLst>
       <p:ext uri="{BB962C8B-B14F-4D97-AF65-F5344CB8AC3E}">
@@ -7346,7 +7514,7 @@
             <a:pPr algn="l"/>
             <a:r>
               <a:rPr lang="en-PT" sz="3600" dirty="0"/>
-              <a:t>Highlights</a:t>
+              <a:t>Highlights - Code</a:t>
             </a:r>
           </a:p>
         </p:txBody>
@@ -7365,8 +7533,8 @@
         </p:nvSpPr>
         <p:spPr>
           <a:xfrm>
-            <a:off x="678656" y="2183934"/>
-            <a:ext cx="9301162" cy="2246769"/>
+            <a:off x="433754" y="2008442"/>
+            <a:ext cx="9498429" cy="4401205"/>
           </a:xfrm>
           <a:prstGeom prst="rect">
             <a:avLst/>
@@ -7380,11 +7548,11 @@
           <a:lstStyle/>
           <a:p>
             <a:pPr marL="457200" indent="-457200" algn="just">
-              <a:buFont typeface="Arial" panose="020B0604020202020204" pitchFamily="34" charset="0"/>
-              <a:buChar char="•"/>
+              <a:buFont typeface="+mj-lt"/>
+              <a:buAutoNum type="arabicPeriod"/>
             </a:pPr>
             <a:r>
-              <a:rPr lang="en-PT" sz="2800" dirty="0">
+              <a:rPr lang="en-GB" dirty="0">
                 <a:solidFill>
                   <a:schemeClr val="accent1"/>
                 </a:solidFill>
@@ -7392,8 +7560,126 @@
                 <a:ea typeface="+mj-ea"/>
                 <a:cs typeface="+mj-cs"/>
               </a:rPr>
-              <a:t>Place the input of player 2 in the same order of input player 1</a:t>
-            </a:r>
+              <a:t>Player 1 inputs a word the other player has to guess.</a:t>
+            </a:r>
+          </a:p>
+          <a:p>
+            <a:pPr marL="457200" indent="-457200" algn="just">
+              <a:buFont typeface="+mj-lt"/>
+              <a:buAutoNum type="arabicPeriod"/>
+            </a:pPr>
+            <a:r>
+              <a:rPr lang="en-GB" dirty="0">
+                <a:solidFill>
+                  <a:schemeClr val="accent1"/>
+                </a:solidFill>
+                <a:latin typeface="+mj-lt"/>
+                <a:ea typeface="+mj-ea"/>
+                <a:cs typeface="+mj-cs"/>
+              </a:rPr>
+              <a:t>Player 2 inputs a letter.</a:t>
+            </a:r>
+          </a:p>
+          <a:p>
+            <a:pPr marL="457200" indent="-457200" algn="just">
+              <a:buFont typeface="+mj-lt"/>
+              <a:buAutoNum type="arabicPeriod"/>
+            </a:pPr>
+            <a:r>
+              <a:rPr lang="en-GB" dirty="0">
+                <a:solidFill>
+                  <a:schemeClr val="accent1"/>
+                </a:solidFill>
+                <a:latin typeface="+mj-lt"/>
+                <a:ea typeface="+mj-ea"/>
+                <a:cs typeface="+mj-cs"/>
+              </a:rPr>
+              <a:t>If this letter is a letter of the inputted word, the letter will be presented in the correct position inside the word.</a:t>
+            </a:r>
+          </a:p>
+          <a:p>
+            <a:pPr marL="457200" indent="-457200" algn="just">
+              <a:buFont typeface="+mj-lt"/>
+              <a:buAutoNum type="arabicPeriod"/>
+            </a:pPr>
+            <a:r>
+              <a:rPr lang="en-GB" dirty="0">
+                <a:solidFill>
+                  <a:schemeClr val="accent1"/>
+                </a:solidFill>
+                <a:latin typeface="+mj-lt"/>
+                <a:ea typeface="+mj-ea"/>
+                <a:cs typeface="+mj-cs"/>
+              </a:rPr>
+              <a:t>If the letter is not a letter of the inputted word, Player 2 loses 1 life: The new number of life will be displayed as well as graphic picturing the amount of lives lost.</a:t>
+            </a:r>
+          </a:p>
+          <a:p>
+            <a:pPr marL="457200" indent="-457200" algn="just">
+              <a:buFont typeface="+mj-lt"/>
+              <a:buAutoNum type="arabicPeriod"/>
+            </a:pPr>
+            <a:r>
+              <a:rPr lang="en-GB" dirty="0">
+                <a:solidFill>
+                  <a:schemeClr val="accent1"/>
+                </a:solidFill>
+                <a:latin typeface="+mj-lt"/>
+                <a:ea typeface="+mj-ea"/>
+                <a:cs typeface="+mj-cs"/>
+              </a:rPr>
+              <a:t>If letter has already been mentioned, Player 2 will be informed about that.</a:t>
+            </a:r>
+          </a:p>
+          <a:p>
+            <a:pPr marL="457200" indent="-457200" algn="just">
+              <a:buFont typeface="+mj-lt"/>
+              <a:buAutoNum type="arabicPeriod"/>
+            </a:pPr>
+            <a:r>
+              <a:rPr lang="en-GB" dirty="0">
+                <a:solidFill>
+                  <a:schemeClr val="accent1"/>
+                </a:solidFill>
+                <a:latin typeface="+mj-lt"/>
+                <a:ea typeface="+mj-ea"/>
+                <a:cs typeface="+mj-cs"/>
+              </a:rPr>
+              <a:t>Step 2 - 5 will be repeated until either the word has been guessed (Player 2 wins) or all of the lives have been</a:t>
+            </a:r>
+          </a:p>
+          <a:p>
+            <a:pPr algn="just"/>
+            <a:endParaRPr lang="en-GB" dirty="0">
+              <a:solidFill>
+                <a:schemeClr val="accent1"/>
+              </a:solidFill>
+              <a:latin typeface="+mj-lt"/>
+              <a:ea typeface="+mj-ea"/>
+              <a:cs typeface="+mj-cs"/>
+            </a:endParaRPr>
+          </a:p>
+          <a:p>
+            <a:pPr algn="just"/>
+            <a:r>
+              <a:rPr lang="en-GB" dirty="0">
+                <a:solidFill>
+                  <a:schemeClr val="accent1"/>
+                </a:solidFill>
+                <a:latin typeface="+mj-lt"/>
+                <a:ea typeface="+mj-ea"/>
+                <a:cs typeface="+mj-cs"/>
+              </a:rPr>
+              <a:t>Challenges of the code</a:t>
+            </a:r>
+            <a:endParaRPr lang="en-PT" dirty="0">
+              <a:solidFill>
+                <a:schemeClr val="accent1"/>
+              </a:solidFill>
+              <a:latin typeface="+mj-lt"/>
+              <a:ea typeface="+mj-ea"/>
+              <a:cs typeface="+mj-cs"/>
+            </a:endParaRPr>
           </a:p>
           <a:p>
             <a:pPr marL="457200" indent="-457200" algn="just">
@@ -7401,7 +7687,7 @@
               <a:buChar char="•"/>
             </a:pPr>
             <a:r>
-              <a:rPr lang="en-PT" sz="2800" dirty="0">
+              <a:rPr lang="en-PT" dirty="0">
                 <a:solidFill>
                   <a:schemeClr val="accent1"/>
                 </a:solidFill>
@@ -7409,7 +7695,24 @@
                 <a:ea typeface="+mj-ea"/>
                 <a:cs typeface="+mj-cs"/>
               </a:rPr>
-              <a:t>Consider the input of player 2 the number of times is repetead on the input of player 1</a:t>
+              <a:t>Place the letter inputed of player 2 in the same order of the word inputed of player 1</a:t>
+            </a:r>
+          </a:p>
+          <a:p>
+            <a:pPr marL="457200" indent="-457200" algn="just">
+              <a:buFont typeface="Arial" panose="020B0604020202020204" pitchFamily="34" charset="0"/>
+              <a:buChar char="•"/>
+            </a:pPr>
+            <a:r>
+              <a:rPr lang="en-PT" dirty="0">
+                <a:solidFill>
+                  <a:schemeClr val="accent1"/>
+                </a:solidFill>
+                <a:latin typeface="+mj-lt"/>
+                <a:ea typeface="+mj-ea"/>
+                <a:cs typeface="+mj-cs"/>
+              </a:rPr>
+              <a:t>Consider the letter inputed of player 2 the number of times is repetead on the word inputed of player 1</a:t>
             </a:r>
           </a:p>
           <a:p>
@@ -7527,120 +7830,12 @@
           </a:ln>
         </p:spPr>
       </p:pic>
-      <p:sp>
-        <p:nvSpPr>
-          <p:cNvPr id="7" name="Title 1">
+      <p:pic>
+        <p:nvPicPr>
+          <p:cNvPr id="6" name="Picture 5">
             <a:extLst>
               <a:ext uri="{FF2B5EF4-FFF2-40B4-BE49-F238E27FC236}">
-                <a16:creationId xmlns:a16="http://schemas.microsoft.com/office/drawing/2014/main" id="{42463987-47E0-040E-3AE3-52551354130E}"/>
-              </a:ext>
-            </a:extLst>
-          </p:cNvPr>
-          <p:cNvSpPr txBox="1">
-            <a:spLocks/>
-          </p:cNvSpPr>
-          <p:nvPr/>
-        </p:nvSpPr>
-        <p:spPr>
-          <a:xfrm>
-            <a:off x="831799" y="1367449"/>
-            <a:ext cx="4497438" cy="640993"/>
-          </a:xfrm>
-          <a:prstGeom prst="rect">
-            <a:avLst/>
-          </a:prstGeom>
-        </p:spPr>
-        <p:txBody>
-          <a:bodyPr vert="horz" lIns="91440" tIns="45720" rIns="91440" bIns="45720" rtlCol="0" anchor="b">
-            <a:normAutofit fontScale="97500"/>
-          </a:bodyPr>
-          <a:lstStyle>
-            <a:lvl1pPr algn="r" defTabSz="457200" rtl="0" eaLnBrk="1" latinLnBrk="0" hangingPunct="1">
-              <a:spcBef>
-                <a:spcPct val="0"/>
-              </a:spcBef>
-              <a:buNone/>
-              <a:defRPr sz="5400" kern="1200">
-                <a:solidFill>
-                  <a:schemeClr val="accent1"/>
-                </a:solidFill>
-                <a:latin typeface="+mj-lt"/>
-                <a:ea typeface="+mj-ea"/>
-                <a:cs typeface="+mj-cs"/>
-              </a:defRPr>
-            </a:lvl1pPr>
-            <a:lvl2pPr eaLnBrk="1" hangingPunct="1">
-              <a:defRPr>
-                <a:solidFill>
-                  <a:schemeClr val="tx2"/>
-                </a:solidFill>
-              </a:defRPr>
-            </a:lvl2pPr>
-            <a:lvl3pPr eaLnBrk="1" hangingPunct="1">
-              <a:defRPr>
-                <a:solidFill>
-                  <a:schemeClr val="tx2"/>
-                </a:solidFill>
-              </a:defRPr>
-            </a:lvl3pPr>
-            <a:lvl4pPr eaLnBrk="1" hangingPunct="1">
-              <a:defRPr>
-                <a:solidFill>
-                  <a:schemeClr val="tx2"/>
-                </a:solidFill>
-              </a:defRPr>
-            </a:lvl4pPr>
-            <a:lvl5pPr eaLnBrk="1" hangingPunct="1">
-              <a:defRPr>
-                <a:solidFill>
-                  <a:schemeClr val="tx2"/>
-                </a:solidFill>
-              </a:defRPr>
-            </a:lvl5pPr>
-            <a:lvl6pPr eaLnBrk="1" hangingPunct="1">
-              <a:defRPr>
-                <a:solidFill>
-                  <a:schemeClr val="tx2"/>
-                </a:solidFill>
-              </a:defRPr>
-            </a:lvl6pPr>
-            <a:lvl7pPr eaLnBrk="1" hangingPunct="1">
-              <a:defRPr>
-                <a:solidFill>
-                  <a:schemeClr val="tx2"/>
-                </a:solidFill>
-              </a:defRPr>
-            </a:lvl7pPr>
-            <a:lvl8pPr eaLnBrk="1" hangingPunct="1">
-              <a:defRPr>
-                <a:solidFill>
-                  <a:schemeClr val="tx2"/>
-                </a:solidFill>
-              </a:defRPr>
-            </a:lvl8pPr>
-            <a:lvl9pPr eaLnBrk="1" hangingPunct="1">
-              <a:defRPr>
-                <a:solidFill>
-                  <a:schemeClr val="tx2"/>
-                </a:solidFill>
-              </a:defRPr>
-            </a:lvl9pPr>
-          </a:lstStyle>
-          <a:p>
-            <a:pPr algn="l"/>
-            <a:r>
-              <a:rPr lang="en-PT" sz="3600" dirty="0"/>
-              <a:t>Demo</a:t>
-            </a:r>
-          </a:p>
-        </p:txBody>
-      </p:sp>
-      <p:pic>
-        <p:nvPicPr>
-          <p:cNvPr id="5" name="Picture 4">
-            <a:extLst>
-              <a:ext uri="{FF2B5EF4-FFF2-40B4-BE49-F238E27FC236}">
-                <a16:creationId xmlns:a16="http://schemas.microsoft.com/office/drawing/2014/main" id="{23AD14E0-B7A5-B3BD-FB79-3FF02E017BF7}"/>
+                <a16:creationId xmlns:a16="http://schemas.microsoft.com/office/drawing/2014/main" id="{9AAD178E-F0AB-3C5A-149A-0F78814AD465}"/>
               </a:ext>
             </a:extLst>
           </p:cNvPr>
@@ -7657,14 +7852,122 @@
         </p:blipFill>
         <p:spPr>
           <a:xfrm>
-            <a:off x="2495399" y="1367449"/>
-            <a:ext cx="6191402" cy="4603571"/>
+            <a:off x="1429137" y="1060451"/>
+            <a:ext cx="7150100" cy="5651500"/>
           </a:xfrm>
           <a:prstGeom prst="rect">
             <a:avLst/>
           </a:prstGeom>
         </p:spPr>
       </p:pic>
+      <p:sp>
+        <p:nvSpPr>
+          <p:cNvPr id="7" name="Title 1">
+            <a:extLst>
+              <a:ext uri="{FF2B5EF4-FFF2-40B4-BE49-F238E27FC236}">
+                <a16:creationId xmlns:a16="http://schemas.microsoft.com/office/drawing/2014/main" id="{42463987-47E0-040E-3AE3-52551354130E}"/>
+              </a:ext>
+            </a:extLst>
+          </p:cNvPr>
+          <p:cNvSpPr txBox="1">
+            <a:spLocks/>
+          </p:cNvSpPr>
+          <p:nvPr/>
+        </p:nvSpPr>
+        <p:spPr>
+          <a:xfrm>
+            <a:off x="831799" y="1367449"/>
+            <a:ext cx="4497438" cy="640993"/>
+          </a:xfrm>
+          <a:prstGeom prst="rect">
+            <a:avLst/>
+          </a:prstGeom>
+        </p:spPr>
+        <p:txBody>
+          <a:bodyPr vert="horz" lIns="91440" tIns="45720" rIns="91440" bIns="45720" rtlCol="0" anchor="b">
+            <a:normAutofit fontScale="97500"/>
+          </a:bodyPr>
+          <a:lstStyle>
+            <a:lvl1pPr algn="r" defTabSz="457200" rtl="0" eaLnBrk="1" latinLnBrk="0" hangingPunct="1">
+              <a:spcBef>
+                <a:spcPct val="0"/>
+              </a:spcBef>
+              <a:buNone/>
+              <a:defRPr sz="5400" kern="1200">
+                <a:solidFill>
+                  <a:schemeClr val="accent1"/>
+                </a:solidFill>
+                <a:latin typeface="+mj-lt"/>
+                <a:ea typeface="+mj-ea"/>
+                <a:cs typeface="+mj-cs"/>
+              </a:defRPr>
+            </a:lvl1pPr>
+            <a:lvl2pPr eaLnBrk="1" hangingPunct="1">
+              <a:defRPr>
+                <a:solidFill>
+                  <a:schemeClr val="tx2"/>
+                </a:solidFill>
+              </a:defRPr>
+            </a:lvl2pPr>
+            <a:lvl3pPr eaLnBrk="1" hangingPunct="1">
+              <a:defRPr>
+                <a:solidFill>
+                  <a:schemeClr val="tx2"/>
+                </a:solidFill>
+              </a:defRPr>
+            </a:lvl3pPr>
+            <a:lvl4pPr eaLnBrk="1" hangingPunct="1">
+              <a:defRPr>
+                <a:solidFill>
+                  <a:schemeClr val="tx2"/>
+                </a:solidFill>
+              </a:defRPr>
+            </a:lvl4pPr>
+            <a:lvl5pPr eaLnBrk="1" hangingPunct="1">
+              <a:defRPr>
+                <a:solidFill>
+                  <a:schemeClr val="tx2"/>
+                </a:solidFill>
+              </a:defRPr>
+            </a:lvl5pPr>
+            <a:lvl6pPr eaLnBrk="1" hangingPunct="1">
+              <a:defRPr>
+                <a:solidFill>
+                  <a:schemeClr val="tx2"/>
+                </a:solidFill>
+              </a:defRPr>
+            </a:lvl6pPr>
+            <a:lvl7pPr eaLnBrk="1" hangingPunct="1">
+              <a:defRPr>
+                <a:solidFill>
+                  <a:schemeClr val="tx2"/>
+                </a:solidFill>
+              </a:defRPr>
+            </a:lvl7pPr>
+            <a:lvl8pPr eaLnBrk="1" hangingPunct="1">
+              <a:defRPr>
+                <a:solidFill>
+                  <a:schemeClr val="tx2"/>
+                </a:solidFill>
+              </a:defRPr>
+            </a:lvl8pPr>
+            <a:lvl9pPr eaLnBrk="1" hangingPunct="1">
+              <a:defRPr>
+                <a:solidFill>
+                  <a:schemeClr val="tx2"/>
+                </a:solidFill>
+              </a:defRPr>
+            </a:lvl9pPr>
+          </a:lstStyle>
+          <a:p>
+            <a:pPr algn="l"/>
+            <a:r>
+              <a:rPr lang="en-PT" sz="3600" dirty="0"/>
+              <a:t>Demo</a:t>
+            </a:r>
+          </a:p>
+        </p:txBody>
+      </p:sp>
     </p:spTree>
     <p:extLst>
       <p:ext uri="{BB962C8B-B14F-4D97-AF65-F5344CB8AC3E}">
@@ -7867,17 +8170,17 @@
             <a:pPr algn="l"/>
             <a:r>
               <a:rPr lang="en-PT" sz="3600" dirty="0"/>
-              <a:t>Questions</a:t>
-            </a:r>
-          </a:p>
-        </p:txBody>
-      </p:sp>
-      <p:sp>
-        <p:nvSpPr>
-          <p:cNvPr id="9" name="TextBox 8">
+              <a:t>Demo</a:t>
+            </a:r>
+          </a:p>
+        </p:txBody>
+      </p:sp>
+      <p:sp>
+        <p:nvSpPr>
+          <p:cNvPr id="8" name="TextBox 7">
             <a:extLst>
               <a:ext uri="{FF2B5EF4-FFF2-40B4-BE49-F238E27FC236}">
-                <a16:creationId xmlns:a16="http://schemas.microsoft.com/office/drawing/2014/main" id="{19A631F6-F8A1-03BF-C202-7DA05A6FA6AB}"/>
+                <a16:creationId xmlns:a16="http://schemas.microsoft.com/office/drawing/2014/main" id="{11F315C2-B820-56C3-3D2E-9223553467F4}"/>
               </a:ext>
             </a:extLst>
           </p:cNvPr>
@@ -7886,8 +8189,8 @@
         </p:nvSpPr>
         <p:spPr>
           <a:xfrm>
-            <a:off x="4517973" y="2379315"/>
-            <a:ext cx="2128839" cy="2585323"/>
+            <a:off x="1911960" y="2921168"/>
+            <a:ext cx="6834554" cy="1015663"/>
           </a:xfrm>
           <a:prstGeom prst="rect">
             <a:avLst/>
@@ -7902,7 +8205,7 @@
           <a:p>
             <a:pPr algn="ctr"/>
             <a:r>
-              <a:rPr lang="en-PT" sz="5400" dirty="0">
+              <a:rPr lang="en-PT" sz="6000" dirty="0">
                 <a:solidFill>
                   <a:schemeClr val="accent1"/>
                 </a:solidFill>
@@ -7910,35 +8213,7 @@
                 <a:ea typeface="+mj-ea"/>
                 <a:cs typeface="+mj-cs"/>
               </a:rPr>
-              <a:t>Q &amp; A</a:t>
-            </a:r>
-          </a:p>
-          <a:p>
-            <a:pPr algn="ctr"/>
-            <a:r>
-              <a:rPr lang="en-PT" sz="5400" dirty="0">
-                <a:solidFill>
-                  <a:schemeClr val="accent1"/>
-                </a:solidFill>
-                <a:latin typeface="+mj-lt"/>
-                <a:ea typeface="+mj-ea"/>
-                <a:cs typeface="+mj-cs"/>
-              </a:rPr>
-              <a:t> </a:t>
-            </a:r>
-          </a:p>
-          <a:p>
-            <a:pPr algn="ctr"/>
-            <a:r>
-              <a:rPr lang="en-PT" sz="5400" dirty="0">
-                <a:solidFill>
-                  <a:schemeClr val="accent1"/>
-                </a:solidFill>
-                <a:latin typeface="+mj-lt"/>
-                <a:ea typeface="+mj-ea"/>
-                <a:cs typeface="+mj-cs"/>
-              </a:rPr>
-              <a:t>TIME </a:t>
+              <a:t>Lets try the game</a:t>
             </a:r>
           </a:p>
         </p:txBody>
@@ -7946,7 +8221,7 @@
     </p:spTree>
     <p:extLst>
       <p:ext uri="{BB962C8B-B14F-4D97-AF65-F5344CB8AC3E}">
-        <p14:creationId xmlns:p14="http://schemas.microsoft.com/office/powerpoint/2010/main" val="4115921934"/>
+        <p14:creationId xmlns:p14="http://schemas.microsoft.com/office/powerpoint/2010/main" val="3724892159"/>
       </p:ext>
     </p:extLst>
   </p:cSld>
@@ -8044,6 +8319,114 @@
       </p:pic>
       <p:sp>
         <p:nvSpPr>
+          <p:cNvPr id="7" name="Title 1">
+            <a:extLst>
+              <a:ext uri="{FF2B5EF4-FFF2-40B4-BE49-F238E27FC236}">
+                <a16:creationId xmlns:a16="http://schemas.microsoft.com/office/drawing/2014/main" id="{42463987-47E0-040E-3AE3-52551354130E}"/>
+              </a:ext>
+            </a:extLst>
+          </p:cNvPr>
+          <p:cNvSpPr txBox="1">
+            <a:spLocks/>
+          </p:cNvSpPr>
+          <p:nvPr/>
+        </p:nvSpPr>
+        <p:spPr>
+          <a:xfrm>
+            <a:off x="831799" y="1367449"/>
+            <a:ext cx="4497438" cy="640993"/>
+          </a:xfrm>
+          <a:prstGeom prst="rect">
+            <a:avLst/>
+          </a:prstGeom>
+        </p:spPr>
+        <p:txBody>
+          <a:bodyPr vert="horz" lIns="91440" tIns="45720" rIns="91440" bIns="45720" rtlCol="0" anchor="b">
+            <a:normAutofit fontScale="97500"/>
+          </a:bodyPr>
+          <a:lstStyle>
+            <a:lvl1pPr algn="r" defTabSz="457200" rtl="0" eaLnBrk="1" latinLnBrk="0" hangingPunct="1">
+              <a:spcBef>
+                <a:spcPct val="0"/>
+              </a:spcBef>
+              <a:buNone/>
+              <a:defRPr sz="5400" kern="1200">
+                <a:solidFill>
+                  <a:schemeClr val="accent1"/>
+                </a:solidFill>
+                <a:latin typeface="+mj-lt"/>
+                <a:ea typeface="+mj-ea"/>
+                <a:cs typeface="+mj-cs"/>
+              </a:defRPr>
+            </a:lvl1pPr>
+            <a:lvl2pPr eaLnBrk="1" hangingPunct="1">
+              <a:defRPr>
+                <a:solidFill>
+                  <a:schemeClr val="tx2"/>
+                </a:solidFill>
+              </a:defRPr>
+            </a:lvl2pPr>
+            <a:lvl3pPr eaLnBrk="1" hangingPunct="1">
+              <a:defRPr>
+                <a:solidFill>
+                  <a:schemeClr val="tx2"/>
+                </a:solidFill>
+              </a:defRPr>
+            </a:lvl3pPr>
+            <a:lvl4pPr eaLnBrk="1" hangingPunct="1">
+              <a:defRPr>
+                <a:solidFill>
+                  <a:schemeClr val="tx2"/>
+                </a:solidFill>
+              </a:defRPr>
+            </a:lvl4pPr>
+            <a:lvl5pPr eaLnBrk="1" hangingPunct="1">
+              <a:defRPr>
+                <a:solidFill>
+                  <a:schemeClr val="tx2"/>
+                </a:solidFill>
+              </a:defRPr>
+            </a:lvl5pPr>
+            <a:lvl6pPr eaLnBrk="1" hangingPunct="1">
+              <a:defRPr>
+                <a:solidFill>
+                  <a:schemeClr val="tx2"/>
+                </a:solidFill>
+              </a:defRPr>
+            </a:lvl6pPr>
+            <a:lvl7pPr eaLnBrk="1" hangingPunct="1">
+              <a:defRPr>
+                <a:solidFill>
+                  <a:schemeClr val="tx2"/>
+                </a:solidFill>
+              </a:defRPr>
+            </a:lvl7pPr>
+            <a:lvl8pPr eaLnBrk="1" hangingPunct="1">
+              <a:defRPr>
+                <a:solidFill>
+                  <a:schemeClr val="tx2"/>
+                </a:solidFill>
+              </a:defRPr>
+            </a:lvl8pPr>
+            <a:lvl9pPr eaLnBrk="1" hangingPunct="1">
+              <a:defRPr>
+                <a:solidFill>
+                  <a:schemeClr val="tx2"/>
+                </a:solidFill>
+              </a:defRPr>
+            </a:lvl9pPr>
+          </a:lstStyle>
+          <a:p>
+            <a:pPr algn="l"/>
+            <a:r>
+              <a:rPr lang="en-PT" sz="3600" dirty="0"/>
+              <a:t>Questions</a:t>
+            </a:r>
+          </a:p>
+        </p:txBody>
+      </p:sp>
+      <p:sp>
+        <p:nvSpPr>
           <p:cNvPr id="9" name="TextBox 8">
             <a:extLst>
               <a:ext uri="{FF2B5EF4-FFF2-40B4-BE49-F238E27FC236}">
@@ -8056,8 +8439,8 @@
         </p:nvSpPr>
         <p:spPr>
           <a:xfrm>
-            <a:off x="4082205" y="2136338"/>
-            <a:ext cx="3000375" cy="2585323"/>
+            <a:off x="4517973" y="2379315"/>
+            <a:ext cx="2128839" cy="2585323"/>
           </a:xfrm>
           <a:prstGeom prst="rect">
             <a:avLst/>
@@ -8080,19 +8463,8 @@
                 <a:ea typeface="+mj-ea"/>
                 <a:cs typeface="+mj-cs"/>
               </a:rPr>
-              <a:t>End</a:t>
-            </a:r>
-          </a:p>
-          <a:p>
-            <a:pPr algn="ctr"/>
-            <a:endParaRPr lang="en-PT" sz="5400" dirty="0">
-              <a:solidFill>
-                <a:schemeClr val="accent1"/>
-              </a:solidFill>
-              <a:latin typeface="+mj-lt"/>
-              <a:ea typeface="+mj-ea"/>
-              <a:cs typeface="+mj-cs"/>
-            </a:endParaRPr>
+              <a:t>Q &amp; A</a:t>
+            </a:r>
           </a:p>
           <a:p>
             <a:pPr algn="ctr"/>
@@ -8105,7 +8477,21 @@
                 <a:ea typeface="+mj-ea"/>
                 <a:cs typeface="+mj-cs"/>
               </a:rPr>
-              <a:t>Thanks</a:t>
+              <a:t> </a:t>
+            </a:r>
+          </a:p>
+          <a:p>
+            <a:pPr algn="ctr"/>
+            <a:r>
+              <a:rPr lang="en-PT" sz="5400" dirty="0">
+                <a:solidFill>
+                  <a:schemeClr val="accent1"/>
+                </a:solidFill>
+                <a:latin typeface="+mj-lt"/>
+                <a:ea typeface="+mj-ea"/>
+                <a:cs typeface="+mj-cs"/>
+              </a:rPr>
+              <a:t>TIME </a:t>
             </a:r>
           </a:p>
         </p:txBody>
@@ -8113,7 +8499,7 @@
     </p:spTree>
     <p:extLst>
       <p:ext uri="{BB962C8B-B14F-4D97-AF65-F5344CB8AC3E}">
-        <p14:creationId xmlns:p14="http://schemas.microsoft.com/office/powerpoint/2010/main" val="2881702761"/>
+        <p14:creationId xmlns:p14="http://schemas.microsoft.com/office/powerpoint/2010/main" val="4115921934"/>
       </p:ext>
     </p:extLst>
   </p:cSld>
